--- a/recurrent/other/Individual Presentation.pptx
+++ b/recurrent/other/Individual Presentation.pptx
@@ -5,7 +5,7 @@
     <p:sldMasterId id="2147483660" r:id="rId1"/>
   </p:sldMasterIdLst>
   <p:notesMasterIdLst>
-    <p:notesMasterId r:id="rId19"/>
+    <p:notesMasterId r:id="rId21"/>
   </p:notesMasterIdLst>
   <p:sldIdLst>
     <p:sldId id="256" r:id="rId2"/>
@@ -17,14 +17,16 @@
     <p:sldId id="262" r:id="rId8"/>
     <p:sldId id="260" r:id="rId9"/>
     <p:sldId id="263" r:id="rId10"/>
-    <p:sldId id="261" r:id="rId11"/>
-    <p:sldId id="264" r:id="rId12"/>
-    <p:sldId id="273" r:id="rId13"/>
-    <p:sldId id="276" r:id="rId14"/>
-    <p:sldId id="274" r:id="rId15"/>
-    <p:sldId id="275" r:id="rId16"/>
-    <p:sldId id="265" r:id="rId17"/>
-    <p:sldId id="266" r:id="rId18"/>
+    <p:sldId id="278" r:id="rId11"/>
+    <p:sldId id="261" r:id="rId12"/>
+    <p:sldId id="279" r:id="rId13"/>
+    <p:sldId id="264" r:id="rId14"/>
+    <p:sldId id="280" r:id="rId15"/>
+    <p:sldId id="283" r:id="rId16"/>
+    <p:sldId id="282" r:id="rId17"/>
+    <p:sldId id="281" r:id="rId18"/>
+    <p:sldId id="265" r:id="rId19"/>
+    <p:sldId id="266" r:id="rId20"/>
   </p:sldIdLst>
   <p:sldSz cx="9144000" cy="6858000" type="screen4x3"/>
   <p:notesSz cx="6858000" cy="9144000"/>
@@ -474,98 +476,6 @@
     </a:lvl9pPr>
   </p:notesStyle>
 </p:notesMaster>
-</file>
-
-<file path=ppt/notesSlides/notesSlide1.xml><?xml version="1.0" encoding="utf-8"?>
-<p:notes xmlns:a="http://schemas.openxmlformats.org/drawingml/2006/main" xmlns:r="http://schemas.openxmlformats.org/officeDocument/2006/relationships" xmlns:p="http://schemas.openxmlformats.org/presentationml/2006/main">
-  <p:cSld>
-    <p:spTree>
-      <p:nvGrpSpPr>
-        <p:cNvPr id="1" name=""/>
-        <p:cNvGrpSpPr/>
-        <p:nvPr/>
-      </p:nvGrpSpPr>
-      <p:grpSpPr>
-        <a:xfrm>
-          <a:off x="0" y="0"/>
-          <a:ext cx="0" cy="0"/>
-          <a:chOff x="0" y="0"/>
-          <a:chExt cx="0" cy="0"/>
-        </a:xfrm>
-      </p:grpSpPr>
-      <p:sp>
-        <p:nvSpPr>
-          <p:cNvPr id="2" name="Slide Image Placeholder 1"/>
-          <p:cNvSpPr>
-            <a:spLocks noGrp="1" noRot="1" noChangeAspect="1"/>
-          </p:cNvSpPr>
-          <p:nvPr>
-            <p:ph type="sldImg"/>
-          </p:nvPr>
-        </p:nvSpPr>
-        <p:spPr/>
-      </p:sp>
-      <p:sp>
-        <p:nvSpPr>
-          <p:cNvPr id="3" name="Notes Placeholder 2"/>
-          <p:cNvSpPr>
-            <a:spLocks noGrp="1"/>
-          </p:cNvSpPr>
-          <p:nvPr>
-            <p:ph type="body" idx="1"/>
-          </p:nvPr>
-        </p:nvSpPr>
-        <p:spPr/>
-        <p:txBody>
-          <a:bodyPr/>
-          <a:lstStyle/>
-          <a:p>
-            <a:r>
-              <a:rPr lang="en-US" dirty="0" smtClean="0"/>
-              <a:t>Predictions</a:t>
-            </a:r>
-            <a:r>
-              <a:rPr lang="en-US" baseline="0" dirty="0" smtClean="0"/>
-              <a:t> not completely accurate</a:t>
-            </a:r>
-            <a:endParaRPr lang="en-US" dirty="0"/>
-          </a:p>
-        </p:txBody>
-      </p:sp>
-      <p:sp>
-        <p:nvSpPr>
-          <p:cNvPr id="4" name="Slide Number Placeholder 3"/>
-          <p:cNvSpPr>
-            <a:spLocks noGrp="1"/>
-          </p:cNvSpPr>
-          <p:nvPr>
-            <p:ph type="sldNum" sz="quarter" idx="10"/>
-          </p:nvPr>
-        </p:nvSpPr>
-        <p:spPr/>
-        <p:txBody>
-          <a:bodyPr/>
-          <a:lstStyle/>
-          <a:p>
-            <a:fld id="{CB254462-8F4A-4A42-BEDA-665428C60D18}" type="slidenum">
-              <a:rPr lang="en-US" smtClean="0"/>
-              <a:t>12</a:t>
-            </a:fld>
-            <a:endParaRPr lang="en-US"/>
-          </a:p>
-        </p:txBody>
-      </p:sp>
-    </p:spTree>
-    <p:extLst>
-      <p:ext uri="{BB962C8B-B14F-4D97-AF65-F5344CB8AC3E}">
-        <p14:creationId xmlns:p14="http://schemas.microsoft.com/office/powerpoint/2010/main" val="2573088064"/>
-      </p:ext>
-    </p:extLst>
-  </p:cSld>
-  <p:clrMapOvr>
-    <a:masterClrMapping/>
-  </p:clrMapOvr>
-</p:notes>
 </file>
 
 <file path=ppt/slideLayouts/slideLayout1.xml><?xml version="1.0" encoding="utf-8"?>
@@ -4379,6 +4289,25 @@
   <p:clrMapOvr>
     <a:masterClrMapping/>
   </p:clrMapOvr>
+  <mc:AlternateContent xmlns:mc="http://schemas.openxmlformats.org/markup-compatibility/2006">
+    <mc:Choice xmlns:p14="http://schemas.microsoft.com/office/powerpoint/2010/main" Requires="p14">
+      <p:transition spd="slow" p14:dur="4000">
+        <p14:vortex dir="r"/>
+      </p:transition>
+    </mc:Choice>
+    <mc:Fallback>
+      <p:transition xmlns:p14="http://schemas.microsoft.com/office/powerpoint/2010/main" spd="slow">
+        <p:fade/>
+      </p:transition>
+    </mc:Fallback>
+  </mc:AlternateContent>
+  <p:timing>
+    <p:tnLst>
+      <p:par>
+        <p:cTn xmlns:p14="http://schemas.microsoft.com/office/powerpoint/2010/main" id="1" dur="indefinite" restart="never" nodeType="tmRoot"/>
+      </p:par>
+    </p:tnLst>
+  </p:timing>
 </p:sld>
 </file>
 
@@ -4416,6 +4345,109 @@
           <a:p>
             <a:r>
               <a:rPr lang="en-US" dirty="0" smtClean="0"/>
+              <a:t>CNN on QRI Data</a:t>
+            </a:r>
+            <a:endParaRPr lang="en-US" dirty="0"/>
+          </a:p>
+        </p:txBody>
+      </p:sp>
+      <p:sp>
+        <p:nvSpPr>
+          <p:cNvPr id="3" name="Text Placeholder 2"/>
+          <p:cNvSpPr>
+            <a:spLocks noGrp="1"/>
+          </p:cNvSpPr>
+          <p:nvPr>
+            <p:ph type="body" idx="2"/>
+          </p:nvPr>
+        </p:nvSpPr>
+        <p:spPr>
+          <a:xfrm>
+            <a:off x="609600" y="1752600"/>
+            <a:ext cx="1600200" cy="4343400"/>
+          </a:xfrm>
+        </p:spPr>
+        <p:txBody>
+          <a:bodyPr vert="vert270" anchor="ctr" anchorCtr="0">
+            <a:normAutofit/>
+          </a:bodyPr>
+          <a:lstStyle/>
+          <a:p>
+            <a:pPr algn="ctr"/>
+            <a:r>
+              <a:rPr lang="en-US" sz="3000" dirty="0" smtClean="0"/>
+              <a:t>Animated prediction</a:t>
+            </a:r>
+            <a:endParaRPr lang="en-US" sz="3000" dirty="0"/>
+          </a:p>
+        </p:txBody>
+      </p:sp>
+      <p:sp>
+        <p:nvSpPr>
+          <p:cNvPr id="4" name="Content Placeholder 3"/>
+          <p:cNvSpPr>
+            <a:spLocks noGrp="1"/>
+          </p:cNvSpPr>
+          <p:nvPr>
+            <p:ph sz="quarter" idx="1"/>
+          </p:nvPr>
+        </p:nvSpPr>
+        <p:spPr/>
+        <p:txBody>
+          <a:bodyPr/>
+          <a:lstStyle/>
+          <a:p>
+            <a:endParaRPr lang="en-US" dirty="0"/>
+          </a:p>
+        </p:txBody>
+      </p:sp>
+    </p:spTree>
+    <p:extLst>
+      <p:ext uri="{BB962C8B-B14F-4D97-AF65-F5344CB8AC3E}">
+        <p14:creationId xmlns:p14="http://schemas.microsoft.com/office/powerpoint/2010/main" val="1067234181"/>
+      </p:ext>
+    </p:extLst>
+  </p:cSld>
+  <p:clrMapOvr>
+    <a:masterClrMapping/>
+  </p:clrMapOvr>
+</p:sld>
+</file>
+
+<file path=ppt/slides/slide11.xml><?xml version="1.0" encoding="utf-8"?>
+<p:sld xmlns:a="http://schemas.openxmlformats.org/drawingml/2006/main" xmlns:r="http://schemas.openxmlformats.org/officeDocument/2006/relationships" xmlns:p="http://schemas.openxmlformats.org/presentationml/2006/main">
+  <p:cSld>
+    <p:spTree>
+      <p:nvGrpSpPr>
+        <p:cNvPr id="1" name=""/>
+        <p:cNvGrpSpPr/>
+        <p:nvPr/>
+      </p:nvGrpSpPr>
+      <p:grpSpPr>
+        <a:xfrm>
+          <a:off x="0" y="0"/>
+          <a:ext cx="0" cy="0"/>
+          <a:chOff x="0" y="0"/>
+          <a:chExt cx="0" cy="0"/>
+        </a:xfrm>
+      </p:grpSpPr>
+      <p:sp>
+        <p:nvSpPr>
+          <p:cNvPr id="2" name="Title 1"/>
+          <p:cNvSpPr>
+            <a:spLocks noGrp="1"/>
+          </p:cNvSpPr>
+          <p:nvPr>
+            <p:ph type="title"/>
+          </p:nvPr>
+        </p:nvSpPr>
+        <p:spPr/>
+        <p:txBody>
+          <a:bodyPr/>
+          <a:lstStyle/>
+          <a:p>
+            <a:r>
+              <a:rPr lang="en-US" dirty="0" smtClean="0"/>
               <a:t>Multilayer Perceptron (MLP)</a:t>
             </a:r>
             <a:endParaRPr lang="en-US" dirty="0"/>
@@ -4456,50 +4488,50 @@
           <a:p>
             <a:pPr lvl="1"/>
             <a:r>
-              <a:rPr lang="en-US" sz="2400" dirty="0" smtClean="0"/>
+              <a:rPr lang="en-US" sz="2200" dirty="0" smtClean="0"/>
               <a:t>Hidden layers: 4</a:t>
             </a:r>
           </a:p>
           <a:p>
             <a:pPr lvl="1"/>
             <a:r>
-              <a:rPr lang="en-US" sz="2400" dirty="0" smtClean="0"/>
+              <a:rPr lang="en-US" sz="2200" dirty="0" smtClean="0"/>
               <a:t>Neurons: 300</a:t>
             </a:r>
           </a:p>
           <a:p>
             <a:pPr lvl="1"/>
             <a:r>
-              <a:rPr lang="en-US" sz="2400" dirty="0" smtClean="0"/>
+              <a:rPr lang="en-US" sz="2200" dirty="0" smtClean="0"/>
               <a:t>Activation Function: </a:t>
             </a:r>
             <a:r>
-              <a:rPr lang="en-US" sz="2400" dirty="0" err="1" smtClean="0"/>
+              <a:rPr lang="en-US" sz="2200" dirty="0" err="1" smtClean="0"/>
               <a:t>tanh</a:t>
             </a:r>
-            <a:endParaRPr lang="en-US" sz="2400" dirty="0" smtClean="0"/>
+            <a:endParaRPr lang="en-US" sz="2200" dirty="0" smtClean="0"/>
           </a:p>
           <a:p>
             <a:pPr lvl="1"/>
             <a:r>
-              <a:rPr lang="en-US" sz="2400" dirty="0" smtClean="0"/>
+              <a:rPr lang="en-US" sz="2200" dirty="0" smtClean="0"/>
               <a:t>Batch size: 273</a:t>
             </a:r>
           </a:p>
           <a:p>
             <a:pPr lvl="1"/>
             <a:r>
-              <a:rPr lang="en-US" sz="2400" dirty="0" smtClean="0"/>
+              <a:rPr lang="en-US" sz="2200" dirty="0" smtClean="0"/>
               <a:t>Learning rate: 0.01</a:t>
             </a:r>
           </a:p>
           <a:p>
             <a:pPr lvl="1"/>
             <a:r>
-              <a:rPr lang="en-US" sz="2400" dirty="0" smtClean="0"/>
+              <a:rPr lang="en-US" sz="2200" dirty="0" smtClean="0"/>
               <a:t>Momentum 0.5</a:t>
             </a:r>
-            <a:endParaRPr lang="en-US" sz="2400" dirty="0"/>
+            <a:endParaRPr lang="en-US" sz="2200" dirty="0"/>
           </a:p>
         </p:txBody>
       </p:sp>
@@ -4563,172 +4595,6 @@
 </p:sld>
 </file>
 
-<file path=ppt/slides/slide11.xml><?xml version="1.0" encoding="utf-8"?>
-<p:sld xmlns:a="http://schemas.openxmlformats.org/drawingml/2006/main" xmlns:r="http://schemas.openxmlformats.org/officeDocument/2006/relationships" xmlns:p="http://schemas.openxmlformats.org/presentationml/2006/main">
-  <p:cSld>
-    <p:spTree>
-      <p:nvGrpSpPr>
-        <p:cNvPr id="1" name=""/>
-        <p:cNvGrpSpPr/>
-        <p:nvPr/>
-      </p:nvGrpSpPr>
-      <p:grpSpPr>
-        <a:xfrm>
-          <a:off x="0" y="0"/>
-          <a:ext cx="0" cy="0"/>
-          <a:chOff x="0" y="0"/>
-          <a:chExt cx="0" cy="0"/>
-        </a:xfrm>
-      </p:grpSpPr>
-      <p:sp>
-        <p:nvSpPr>
-          <p:cNvPr id="2" name="Title 1"/>
-          <p:cNvSpPr>
-            <a:spLocks noGrp="1"/>
-          </p:cNvSpPr>
-          <p:nvPr>
-            <p:ph type="title"/>
-          </p:nvPr>
-        </p:nvSpPr>
-        <p:spPr/>
-        <p:txBody>
-          <a:bodyPr/>
-          <a:lstStyle/>
-          <a:p>
-            <a:r>
-              <a:rPr lang="en-US" dirty="0" smtClean="0"/>
-              <a:t>Training on QRI Data</a:t>
-            </a:r>
-            <a:endParaRPr lang="en-US" dirty="0"/>
-          </a:p>
-        </p:txBody>
-      </p:sp>
-      <p:pic>
-        <p:nvPicPr>
-          <p:cNvPr id="7" name="Content Placeholder 6" descr="graph86.png"/>
-          <p:cNvPicPr>
-            <a:picLocks noGrp="1" noChangeAspect="1"/>
-          </p:cNvPicPr>
-          <p:nvPr>
-            <p:ph sz="quarter" idx="2"/>
-          </p:nvPr>
-        </p:nvPicPr>
-        <p:blipFill>
-          <a:blip r:embed="rId2">
-            <a:extLst>
-              <a:ext uri="{BEBA8EAE-BF5A-486C-A8C5-ECC9F3942E4B}">
-                <a14:imgProps xmlns:a14="http://schemas.microsoft.com/office/drawing/2010/main">
-                  <a14:imgLayer r:embed="rId3">
-                    <a14:imgEffect>
-                      <a14:sharpenSoften amount="50000"/>
-                    </a14:imgEffect>
-                  </a14:imgLayer>
-                </a14:imgProps>
-              </a:ext>
-              <a:ext uri="{28A0092B-C50C-407E-A947-70E740481C1C}">
-                <a14:useLocalDpi xmlns:a14="http://schemas.microsoft.com/office/drawing/2010/main" val="0"/>
-              </a:ext>
-            </a:extLst>
-          </a:blip>
-          <a:srcRect l="9309" r="9309"/>
-          <a:stretch>
-            <a:fillRect/>
-          </a:stretch>
-        </p:blipFill>
-        <p:spPr>
-          <a:xfrm>
-            <a:off x="4800600" y="2438400"/>
-            <a:ext cx="3886200" cy="3581400"/>
-          </a:xfrm>
-        </p:spPr>
-      </p:pic>
-      <p:sp>
-        <p:nvSpPr>
-          <p:cNvPr id="4" name="Content Placeholder 3"/>
-          <p:cNvSpPr>
-            <a:spLocks noGrp="1"/>
-          </p:cNvSpPr>
-          <p:nvPr>
-            <p:ph sz="quarter" idx="4"/>
-          </p:nvPr>
-        </p:nvSpPr>
-        <p:spPr>
-          <a:xfrm>
-            <a:off x="606741" y="2438400"/>
-            <a:ext cx="3886200" cy="3581400"/>
-          </a:xfrm>
-        </p:spPr>
-        <p:txBody>
-          <a:bodyPr/>
-          <a:lstStyle/>
-          <a:p>
-            <a:endParaRPr lang="en-US" dirty="0"/>
-          </a:p>
-        </p:txBody>
-      </p:sp>
-      <p:sp>
-        <p:nvSpPr>
-          <p:cNvPr id="5" name="Text Placeholder 4"/>
-          <p:cNvSpPr>
-            <a:spLocks noGrp="1"/>
-          </p:cNvSpPr>
-          <p:nvPr>
-            <p:ph type="body" sz="quarter" idx="1"/>
-          </p:nvPr>
-        </p:nvSpPr>
-        <p:spPr/>
-        <p:txBody>
-          <a:bodyPr>
-            <a:noAutofit/>
-          </a:bodyPr>
-          <a:lstStyle/>
-          <a:p>
-            <a:r>
-              <a:rPr lang="en-US" sz="1850" dirty="0" smtClean="0"/>
-              <a:t>Convolutional Neural Network (CNN)</a:t>
-            </a:r>
-            <a:endParaRPr lang="en-US" sz="1850" dirty="0"/>
-          </a:p>
-        </p:txBody>
-      </p:sp>
-      <p:sp>
-        <p:nvSpPr>
-          <p:cNvPr id="6" name="Text Placeholder 5"/>
-          <p:cNvSpPr>
-            <a:spLocks noGrp="1"/>
-          </p:cNvSpPr>
-          <p:nvPr>
-            <p:ph type="body" sz="quarter" idx="3"/>
-          </p:nvPr>
-        </p:nvSpPr>
-        <p:spPr/>
-        <p:txBody>
-          <a:bodyPr>
-            <a:normAutofit/>
-          </a:bodyPr>
-          <a:lstStyle/>
-          <a:p>
-            <a:r>
-              <a:rPr lang="en-US" sz="1850" dirty="0" smtClean="0"/>
-              <a:t>Multilayer Perceptron (MLP)</a:t>
-            </a:r>
-            <a:endParaRPr lang="en-US" sz="1850" dirty="0"/>
-          </a:p>
-        </p:txBody>
-      </p:sp>
-    </p:spTree>
-    <p:extLst>
-      <p:ext uri="{BB962C8B-B14F-4D97-AF65-F5344CB8AC3E}">
-        <p14:creationId xmlns:p14="http://schemas.microsoft.com/office/powerpoint/2010/main" val="1905781931"/>
-      </p:ext>
-    </p:extLst>
-  </p:cSld>
-  <p:clrMapOvr>
-    <a:masterClrMapping/>
-  </p:clrMapOvr>
-</p:sld>
-</file>
-
 <file path=ppt/slides/slide12.xml><?xml version="1.0" encoding="utf-8"?>
 <p:sld xmlns:a="http://schemas.openxmlformats.org/drawingml/2006/main" xmlns:r="http://schemas.openxmlformats.org/officeDocument/2006/relationships" xmlns:p="http://schemas.openxmlformats.org/presentationml/2006/main">
   <p:cSld>
@@ -4763,7 +4629,7 @@
           <a:p>
             <a:r>
               <a:rPr lang="en-US" dirty="0" smtClean="0"/>
-              <a:t>Training on QRI Data</a:t>
+              <a:t>MLP on QRI Data</a:t>
             </a:r>
             <a:endParaRPr lang="en-US" dirty="0"/>
           </a:p>
@@ -4771,121 +4637,58 @@
       </p:sp>
       <p:sp>
         <p:nvSpPr>
-          <p:cNvPr id="4" name="Content Placeholder 3"/>
-          <p:cNvSpPr>
-            <a:spLocks noGrp="1"/>
-          </p:cNvSpPr>
-          <p:nvPr>
-            <p:ph sz="quarter" idx="4"/>
+          <p:cNvPr id="3" name="Text Placeholder 2"/>
+          <p:cNvSpPr>
+            <a:spLocks noGrp="1"/>
+          </p:cNvSpPr>
+          <p:nvPr>
+            <p:ph type="body" idx="2"/>
           </p:nvPr>
         </p:nvSpPr>
         <p:spPr>
           <a:xfrm>
-            <a:off x="606741" y="2438400"/>
-            <a:ext cx="3886200" cy="3581400"/>
-          </a:xfrm>
-        </p:spPr>
-        <p:txBody>
-          <a:bodyPr/>
-          <a:lstStyle/>
-          <a:p>
-            <a:endParaRPr lang="en-US" dirty="0"/>
-          </a:p>
-        </p:txBody>
-      </p:sp>
-      <p:sp>
-        <p:nvSpPr>
-          <p:cNvPr id="5" name="Text Placeholder 4"/>
-          <p:cNvSpPr>
-            <a:spLocks noGrp="1"/>
-          </p:cNvSpPr>
-          <p:nvPr>
-            <p:ph type="body" sz="quarter" idx="1"/>
-          </p:nvPr>
-        </p:nvSpPr>
-        <p:spPr/>
-        <p:txBody>
-          <a:bodyPr>
-            <a:noAutofit/>
-          </a:bodyPr>
-          <a:lstStyle/>
-          <a:p>
-            <a:r>
-              <a:rPr lang="en-US" sz="1850" dirty="0" smtClean="0"/>
-              <a:t>Convolutional Neural Network (CNN)</a:t>
-            </a:r>
-            <a:endParaRPr lang="en-US" sz="1850" dirty="0"/>
-          </a:p>
-        </p:txBody>
-      </p:sp>
-      <p:sp>
-        <p:nvSpPr>
-          <p:cNvPr id="6" name="Text Placeholder 5"/>
-          <p:cNvSpPr>
-            <a:spLocks noGrp="1"/>
-          </p:cNvSpPr>
-          <p:nvPr>
-            <p:ph type="body" sz="quarter" idx="3"/>
-          </p:nvPr>
-        </p:nvSpPr>
-        <p:spPr/>
-        <p:txBody>
-          <a:bodyPr>
+            <a:off x="609600" y="1752600"/>
+            <a:ext cx="1600200" cy="4343400"/>
+          </a:xfrm>
+        </p:spPr>
+        <p:txBody>
+          <a:bodyPr vert="vert270" anchor="ctr" anchorCtr="0">
             <a:normAutofit/>
           </a:bodyPr>
           <a:lstStyle/>
           <a:p>
-            <a:r>
-              <a:rPr lang="en-US" sz="1850" dirty="0" smtClean="0"/>
-              <a:t>Multilayer Perceptron (MLP)</a:t>
-            </a:r>
-            <a:endParaRPr lang="en-US" sz="1850" dirty="0"/>
-          </a:p>
-        </p:txBody>
-      </p:sp>
-      <p:pic>
-        <p:nvPicPr>
-          <p:cNvPr id="10" name="Content Placeholder 9" descr="graph198.png"/>
-          <p:cNvPicPr>
-            <a:picLocks noGrp="1" noChangeAspect="1"/>
-          </p:cNvPicPr>
-          <p:nvPr>
-            <p:ph sz="quarter" idx="2"/>
-          </p:nvPr>
-        </p:nvPicPr>
-        <p:blipFill>
-          <a:blip r:embed="rId3">
-            <a:extLst>
-              <a:ext uri="{BEBA8EAE-BF5A-486C-A8C5-ECC9F3942E4B}">
-                <a14:imgProps xmlns:a14="http://schemas.microsoft.com/office/drawing/2010/main">
-                  <a14:imgLayer r:embed="rId4">
-                    <a14:imgEffect>
-                      <a14:sharpenSoften amount="50000"/>
-                    </a14:imgEffect>
-                  </a14:imgLayer>
-                </a14:imgProps>
-              </a:ext>
-              <a:ext uri="{28A0092B-C50C-407E-A947-70E740481C1C}">
-                <a14:useLocalDpi xmlns:a14="http://schemas.microsoft.com/office/drawing/2010/main" val="0"/>
-              </a:ext>
-            </a:extLst>
-          </a:blip>
-          <a:srcRect l="9309" r="9309"/>
-          <a:stretch>
-            <a:fillRect/>
-          </a:stretch>
-        </p:blipFill>
-        <p:spPr>
-          <a:xfrm>
-            <a:off x="4800600" y="2438400"/>
-            <a:ext cx="3886200" cy="3581400"/>
-          </a:xfrm>
-        </p:spPr>
-      </p:pic>
+            <a:pPr algn="ctr"/>
+            <a:r>
+              <a:rPr lang="en-US" sz="3000" dirty="0" smtClean="0"/>
+              <a:t>Animated prediction</a:t>
+            </a:r>
+            <a:endParaRPr lang="en-US" sz="3000" dirty="0"/>
+          </a:p>
+        </p:txBody>
+      </p:sp>
+      <p:sp>
+        <p:nvSpPr>
+          <p:cNvPr id="4" name="Content Placeholder 3"/>
+          <p:cNvSpPr>
+            <a:spLocks noGrp="1"/>
+          </p:cNvSpPr>
+          <p:nvPr>
+            <p:ph sz="quarter" idx="1"/>
+          </p:nvPr>
+        </p:nvSpPr>
+        <p:spPr/>
+        <p:txBody>
+          <a:bodyPr/>
+          <a:lstStyle/>
+          <a:p>
+            <a:endParaRPr lang="en-US" dirty="0"/>
+          </a:p>
+        </p:txBody>
+      </p:sp>
     </p:spTree>
     <p:extLst>
       <p:ext uri="{BB962C8B-B14F-4D97-AF65-F5344CB8AC3E}">
-        <p14:creationId xmlns:p14="http://schemas.microsoft.com/office/powerpoint/2010/main" val="1664017790"/>
+        <p14:creationId xmlns:p14="http://schemas.microsoft.com/office/powerpoint/2010/main" val="3355370352"/>
       </p:ext>
     </p:extLst>
   </p:cSld>
@@ -5009,49 +4812,34 @@
           </a:p>
         </p:txBody>
       </p:sp>
-      <p:pic>
-        <p:nvPicPr>
-          <p:cNvPr id="8" name="Content Placeholder 7" descr="graph154.png"/>
-          <p:cNvPicPr>
-            <a:picLocks noGrp="1" noChangeAspect="1"/>
-          </p:cNvPicPr>
+      <p:sp>
+        <p:nvSpPr>
+          <p:cNvPr id="8" name="Content Placeholder 7"/>
+          <p:cNvSpPr>
+            <a:spLocks noGrp="1"/>
+          </p:cNvSpPr>
           <p:nvPr>
             <p:ph sz="quarter" idx="2"/>
           </p:nvPr>
-        </p:nvPicPr>
-        <p:blipFill>
-          <a:blip r:embed="rId2">
-            <a:extLst>
-              <a:ext uri="{BEBA8EAE-BF5A-486C-A8C5-ECC9F3942E4B}">
-                <a14:imgProps xmlns:a14="http://schemas.microsoft.com/office/drawing/2010/main">
-                  <a14:imgLayer r:embed="rId3">
-                    <a14:imgEffect>
-                      <a14:sharpenSoften amount="50000"/>
-                    </a14:imgEffect>
-                  </a14:imgLayer>
-                </a14:imgProps>
-              </a:ext>
-              <a:ext uri="{28A0092B-C50C-407E-A947-70E740481C1C}">
-                <a14:useLocalDpi xmlns:a14="http://schemas.microsoft.com/office/drawing/2010/main" val="0"/>
-              </a:ext>
-            </a:extLst>
-          </a:blip>
-          <a:srcRect l="9309" r="9309"/>
-          <a:stretch>
-            <a:fillRect/>
-          </a:stretch>
-        </p:blipFill>
+        </p:nvSpPr>
         <p:spPr>
           <a:xfrm>
             <a:off x="4800600" y="2438400"/>
             <a:ext cx="3886200" cy="3581400"/>
           </a:xfrm>
         </p:spPr>
-      </p:pic>
+        <p:txBody>
+          <a:bodyPr/>
+          <a:lstStyle/>
+          <a:p>
+            <a:endParaRPr lang="en-US" dirty="0"/>
+          </a:p>
+        </p:txBody>
+      </p:sp>
     </p:spTree>
     <p:extLst>
       <p:ext uri="{BB962C8B-B14F-4D97-AF65-F5344CB8AC3E}">
-        <p14:creationId xmlns:p14="http://schemas.microsoft.com/office/powerpoint/2010/main" val="2695840912"/>
+        <p14:creationId xmlns:p14="http://schemas.microsoft.com/office/powerpoint/2010/main" val="1905781931"/>
       </p:ext>
     </p:extLst>
   </p:cSld>
@@ -5101,45 +4889,30 @@
           </a:p>
         </p:txBody>
       </p:sp>
-      <p:pic>
-        <p:nvPicPr>
-          <p:cNvPr id="8" name="Content Placeholder 7" descr="graph2.png"/>
-          <p:cNvPicPr>
-            <a:picLocks noGrp="1" noChangeAspect="1"/>
-          </p:cNvPicPr>
+      <p:sp>
+        <p:nvSpPr>
+          <p:cNvPr id="4" name="Content Placeholder 3"/>
+          <p:cNvSpPr>
+            <a:spLocks noGrp="1"/>
+          </p:cNvSpPr>
           <p:nvPr>
             <p:ph sz="quarter" idx="4"/>
           </p:nvPr>
-        </p:nvPicPr>
-        <p:blipFill>
-          <a:blip r:embed="rId2">
-            <a:extLst>
-              <a:ext uri="{BEBA8EAE-BF5A-486C-A8C5-ECC9F3942E4B}">
-                <a14:imgProps xmlns:a14="http://schemas.microsoft.com/office/drawing/2010/main">
-                  <a14:imgLayer r:embed="rId3">
-                    <a14:imgEffect>
-                      <a14:sharpenSoften amount="50000"/>
-                    </a14:imgEffect>
-                  </a14:imgLayer>
-                </a14:imgProps>
-              </a:ext>
-              <a:ext uri="{28A0092B-C50C-407E-A947-70E740481C1C}">
-                <a14:useLocalDpi xmlns:a14="http://schemas.microsoft.com/office/drawing/2010/main" val="0"/>
-              </a:ext>
-            </a:extLst>
-          </a:blip>
-          <a:srcRect l="9309" r="9309"/>
-          <a:stretch>
-            <a:fillRect/>
-          </a:stretch>
-        </p:blipFill>
+        </p:nvSpPr>
         <p:spPr>
           <a:xfrm>
-            <a:off x="4800600" y="2438400"/>
+            <a:off x="606741" y="2438400"/>
             <a:ext cx="3886200" cy="3581400"/>
           </a:xfrm>
         </p:spPr>
-      </p:pic>
+        <p:txBody>
+          <a:bodyPr/>
+          <a:lstStyle/>
+          <a:p>
+            <a:endParaRPr lang="en-US" dirty="0"/>
+          </a:p>
+        </p:txBody>
+      </p:sp>
       <p:sp>
         <p:nvSpPr>
           <p:cNvPr id="5" name="Text Placeholder 4"/>
@@ -5192,7 +4965,7 @@
       </p:sp>
       <p:sp>
         <p:nvSpPr>
-          <p:cNvPr id="3" name="Content Placeholder 2"/>
+          <p:cNvPr id="8" name="Content Placeholder 7"/>
           <p:cNvSpPr>
             <a:spLocks noGrp="1"/>
           </p:cNvSpPr>
@@ -5200,19 +4973,24 @@
             <p:ph sz="quarter" idx="2"/>
           </p:nvPr>
         </p:nvSpPr>
-        <p:spPr/>
+        <p:spPr>
+          <a:xfrm>
+            <a:off x="4800600" y="2438400"/>
+            <a:ext cx="3886200" cy="3581400"/>
+          </a:xfrm>
+        </p:spPr>
         <p:txBody>
           <a:bodyPr/>
           <a:lstStyle/>
           <a:p>
-            <a:endParaRPr lang="en-US"/>
+            <a:endParaRPr lang="en-US" dirty="0"/>
           </a:p>
         </p:txBody>
       </p:sp>
     </p:spTree>
     <p:extLst>
       <p:ext uri="{BB962C8B-B14F-4D97-AF65-F5344CB8AC3E}">
-        <p14:creationId xmlns:p14="http://schemas.microsoft.com/office/powerpoint/2010/main" val="1351442955"/>
+        <p14:creationId xmlns:p14="http://schemas.microsoft.com/office/powerpoint/2010/main" val="3741286650"/>
       </p:ext>
     </p:extLst>
   </p:cSld>
@@ -5336,49 +5114,34 @@
           </a:p>
         </p:txBody>
       </p:sp>
-      <p:pic>
-        <p:nvPicPr>
-          <p:cNvPr id="8" name="Content Placeholder 7" descr="graph26.png"/>
-          <p:cNvPicPr>
-            <a:picLocks noGrp="1" noChangeAspect="1"/>
-          </p:cNvPicPr>
+      <p:sp>
+        <p:nvSpPr>
+          <p:cNvPr id="8" name="Content Placeholder 7"/>
+          <p:cNvSpPr>
+            <a:spLocks noGrp="1"/>
+          </p:cNvSpPr>
           <p:nvPr>
             <p:ph sz="quarter" idx="2"/>
           </p:nvPr>
-        </p:nvPicPr>
-        <p:blipFill>
-          <a:blip r:embed="rId2">
-            <a:extLst>
-              <a:ext uri="{BEBA8EAE-BF5A-486C-A8C5-ECC9F3942E4B}">
-                <a14:imgProps xmlns:a14="http://schemas.microsoft.com/office/drawing/2010/main">
-                  <a14:imgLayer r:embed="rId3">
-                    <a14:imgEffect>
-                      <a14:sharpenSoften amount="50000"/>
-                    </a14:imgEffect>
-                  </a14:imgLayer>
-                </a14:imgProps>
-              </a:ext>
-              <a:ext uri="{28A0092B-C50C-407E-A947-70E740481C1C}">
-                <a14:useLocalDpi xmlns:a14="http://schemas.microsoft.com/office/drawing/2010/main" val="0"/>
-              </a:ext>
-            </a:extLst>
-          </a:blip>
-          <a:srcRect l="9309" r="9309"/>
-          <a:stretch>
-            <a:fillRect/>
-          </a:stretch>
-        </p:blipFill>
+        </p:nvSpPr>
         <p:spPr>
           <a:xfrm>
             <a:off x="4800600" y="2438400"/>
             <a:ext cx="3886200" cy="3581400"/>
           </a:xfrm>
         </p:spPr>
-      </p:pic>
+        <p:txBody>
+          <a:bodyPr/>
+          <a:lstStyle/>
+          <a:p>
+            <a:endParaRPr lang="en-US" dirty="0"/>
+          </a:p>
+        </p:txBody>
+      </p:sp>
     </p:spTree>
     <p:extLst>
       <p:ext uri="{BB962C8B-B14F-4D97-AF65-F5344CB8AC3E}">
-        <p14:creationId xmlns:p14="http://schemas.microsoft.com/office/powerpoint/2010/main" val="4261070897"/>
+        <p14:creationId xmlns:p14="http://schemas.microsoft.com/office/powerpoint/2010/main" val="3012995628"/>
       </p:ext>
     </p:extLst>
   </p:cSld>
@@ -5389,6 +5152,315 @@
 </file>
 
 <file path=ppt/slides/slide16.xml><?xml version="1.0" encoding="utf-8"?>
+<p:sld xmlns:a="http://schemas.openxmlformats.org/drawingml/2006/main" xmlns:r="http://schemas.openxmlformats.org/officeDocument/2006/relationships" xmlns:p="http://schemas.openxmlformats.org/presentationml/2006/main">
+  <p:cSld>
+    <p:spTree>
+      <p:nvGrpSpPr>
+        <p:cNvPr id="1" name=""/>
+        <p:cNvGrpSpPr/>
+        <p:nvPr/>
+      </p:nvGrpSpPr>
+      <p:grpSpPr>
+        <a:xfrm>
+          <a:off x="0" y="0"/>
+          <a:ext cx="0" cy="0"/>
+          <a:chOff x="0" y="0"/>
+          <a:chExt cx="0" cy="0"/>
+        </a:xfrm>
+      </p:grpSpPr>
+      <p:sp>
+        <p:nvSpPr>
+          <p:cNvPr id="2" name="Title 1"/>
+          <p:cNvSpPr>
+            <a:spLocks noGrp="1"/>
+          </p:cNvSpPr>
+          <p:nvPr>
+            <p:ph type="title"/>
+          </p:nvPr>
+        </p:nvSpPr>
+        <p:spPr/>
+        <p:txBody>
+          <a:bodyPr/>
+          <a:lstStyle/>
+          <a:p>
+            <a:r>
+              <a:rPr lang="en-US" dirty="0" smtClean="0"/>
+              <a:t>Training on QRI Data</a:t>
+            </a:r>
+            <a:endParaRPr lang="en-US" dirty="0"/>
+          </a:p>
+        </p:txBody>
+      </p:sp>
+      <p:sp>
+        <p:nvSpPr>
+          <p:cNvPr id="4" name="Content Placeholder 3"/>
+          <p:cNvSpPr>
+            <a:spLocks noGrp="1"/>
+          </p:cNvSpPr>
+          <p:nvPr>
+            <p:ph sz="quarter" idx="4"/>
+          </p:nvPr>
+        </p:nvSpPr>
+        <p:spPr>
+          <a:xfrm>
+            <a:off x="606741" y="2438400"/>
+            <a:ext cx="3886200" cy="3581400"/>
+          </a:xfrm>
+        </p:spPr>
+        <p:txBody>
+          <a:bodyPr/>
+          <a:lstStyle/>
+          <a:p>
+            <a:endParaRPr lang="en-US" dirty="0"/>
+          </a:p>
+        </p:txBody>
+      </p:sp>
+      <p:sp>
+        <p:nvSpPr>
+          <p:cNvPr id="5" name="Text Placeholder 4"/>
+          <p:cNvSpPr>
+            <a:spLocks noGrp="1"/>
+          </p:cNvSpPr>
+          <p:nvPr>
+            <p:ph type="body" sz="quarter" idx="1"/>
+          </p:nvPr>
+        </p:nvSpPr>
+        <p:spPr/>
+        <p:txBody>
+          <a:bodyPr>
+            <a:noAutofit/>
+          </a:bodyPr>
+          <a:lstStyle/>
+          <a:p>
+            <a:r>
+              <a:rPr lang="en-US" sz="1850" dirty="0" smtClean="0"/>
+              <a:t>Convolutional Neural Network (CNN)</a:t>
+            </a:r>
+            <a:endParaRPr lang="en-US" sz="1850" dirty="0"/>
+          </a:p>
+        </p:txBody>
+      </p:sp>
+      <p:sp>
+        <p:nvSpPr>
+          <p:cNvPr id="6" name="Text Placeholder 5"/>
+          <p:cNvSpPr>
+            <a:spLocks noGrp="1"/>
+          </p:cNvSpPr>
+          <p:nvPr>
+            <p:ph type="body" sz="quarter" idx="3"/>
+          </p:nvPr>
+        </p:nvSpPr>
+        <p:spPr/>
+        <p:txBody>
+          <a:bodyPr>
+            <a:normAutofit/>
+          </a:bodyPr>
+          <a:lstStyle/>
+          <a:p>
+            <a:r>
+              <a:rPr lang="en-US" sz="1850" dirty="0" smtClean="0"/>
+              <a:t>Multilayer Perceptron (MLP)</a:t>
+            </a:r>
+            <a:endParaRPr lang="en-US" sz="1850" dirty="0"/>
+          </a:p>
+        </p:txBody>
+      </p:sp>
+      <p:sp>
+        <p:nvSpPr>
+          <p:cNvPr id="8" name="Content Placeholder 7"/>
+          <p:cNvSpPr>
+            <a:spLocks noGrp="1"/>
+          </p:cNvSpPr>
+          <p:nvPr>
+            <p:ph sz="quarter" idx="2"/>
+          </p:nvPr>
+        </p:nvSpPr>
+        <p:spPr>
+          <a:xfrm>
+            <a:off x="4800600" y="2438400"/>
+            <a:ext cx="3886200" cy="3581400"/>
+          </a:xfrm>
+        </p:spPr>
+        <p:txBody>
+          <a:bodyPr/>
+          <a:lstStyle/>
+          <a:p>
+            <a:endParaRPr lang="en-US" dirty="0"/>
+          </a:p>
+        </p:txBody>
+      </p:sp>
+    </p:spTree>
+    <p:extLst>
+      <p:ext uri="{BB962C8B-B14F-4D97-AF65-F5344CB8AC3E}">
+        <p14:creationId xmlns:p14="http://schemas.microsoft.com/office/powerpoint/2010/main" val="3937342949"/>
+      </p:ext>
+    </p:extLst>
+  </p:cSld>
+  <p:clrMapOvr>
+    <a:masterClrMapping/>
+  </p:clrMapOvr>
+</p:sld>
+</file>
+
+<file path=ppt/slides/slide17.xml><?xml version="1.0" encoding="utf-8"?>
+<p:sld xmlns:a="http://schemas.openxmlformats.org/drawingml/2006/main" xmlns:r="http://schemas.openxmlformats.org/officeDocument/2006/relationships" xmlns:p="http://schemas.openxmlformats.org/presentationml/2006/main">
+  <p:cSld>
+    <p:spTree>
+      <p:nvGrpSpPr>
+        <p:cNvPr id="1" name=""/>
+        <p:cNvGrpSpPr/>
+        <p:nvPr/>
+      </p:nvGrpSpPr>
+      <p:grpSpPr>
+        <a:xfrm>
+          <a:off x="0" y="0"/>
+          <a:ext cx="0" cy="0"/>
+          <a:chOff x="0" y="0"/>
+          <a:chExt cx="0" cy="0"/>
+        </a:xfrm>
+      </p:grpSpPr>
+      <p:sp>
+        <p:nvSpPr>
+          <p:cNvPr id="2" name="Title 1"/>
+          <p:cNvSpPr>
+            <a:spLocks noGrp="1"/>
+          </p:cNvSpPr>
+          <p:nvPr>
+            <p:ph type="title"/>
+          </p:nvPr>
+        </p:nvSpPr>
+        <p:spPr/>
+        <p:txBody>
+          <a:bodyPr/>
+          <a:lstStyle/>
+          <a:p>
+            <a:r>
+              <a:rPr lang="en-US" dirty="0" smtClean="0"/>
+              <a:t>Training on QRI Data</a:t>
+            </a:r>
+            <a:endParaRPr lang="en-US" dirty="0"/>
+          </a:p>
+        </p:txBody>
+      </p:sp>
+      <p:sp>
+        <p:nvSpPr>
+          <p:cNvPr id="4" name="Content Placeholder 3"/>
+          <p:cNvSpPr>
+            <a:spLocks noGrp="1"/>
+          </p:cNvSpPr>
+          <p:nvPr>
+            <p:ph sz="quarter" idx="4"/>
+          </p:nvPr>
+        </p:nvSpPr>
+        <p:spPr>
+          <a:xfrm>
+            <a:off x="606741" y="2438400"/>
+            <a:ext cx="3886200" cy="3581400"/>
+          </a:xfrm>
+        </p:spPr>
+        <p:txBody>
+          <a:bodyPr/>
+          <a:lstStyle/>
+          <a:p>
+            <a:endParaRPr lang="en-US" dirty="0"/>
+          </a:p>
+        </p:txBody>
+      </p:sp>
+      <p:sp>
+        <p:nvSpPr>
+          <p:cNvPr id="5" name="Text Placeholder 4"/>
+          <p:cNvSpPr>
+            <a:spLocks noGrp="1"/>
+          </p:cNvSpPr>
+          <p:nvPr>
+            <p:ph type="body" sz="quarter" idx="1"/>
+          </p:nvPr>
+        </p:nvSpPr>
+        <p:spPr/>
+        <p:txBody>
+          <a:bodyPr>
+            <a:noAutofit/>
+          </a:bodyPr>
+          <a:lstStyle/>
+          <a:p>
+            <a:r>
+              <a:rPr lang="en-US" sz="1850" dirty="0" smtClean="0"/>
+              <a:t>Convolutional Neural Network (CNN)</a:t>
+            </a:r>
+            <a:endParaRPr lang="en-US" sz="1850" dirty="0"/>
+          </a:p>
+        </p:txBody>
+      </p:sp>
+      <p:sp>
+        <p:nvSpPr>
+          <p:cNvPr id="6" name="Text Placeholder 5"/>
+          <p:cNvSpPr>
+            <a:spLocks noGrp="1"/>
+          </p:cNvSpPr>
+          <p:nvPr>
+            <p:ph type="body" sz="quarter" idx="3"/>
+          </p:nvPr>
+        </p:nvSpPr>
+        <p:spPr/>
+        <p:txBody>
+          <a:bodyPr>
+            <a:normAutofit/>
+          </a:bodyPr>
+          <a:lstStyle/>
+          <a:p>
+            <a:r>
+              <a:rPr lang="en-US" sz="1850" dirty="0" smtClean="0"/>
+              <a:t>Multilayer Perceptron (MLP)</a:t>
+            </a:r>
+            <a:endParaRPr lang="en-US" sz="1850" dirty="0"/>
+          </a:p>
+        </p:txBody>
+      </p:sp>
+      <p:sp>
+        <p:nvSpPr>
+          <p:cNvPr id="8" name="Content Placeholder 7"/>
+          <p:cNvSpPr>
+            <a:spLocks noGrp="1"/>
+          </p:cNvSpPr>
+          <p:nvPr>
+            <p:ph sz="quarter" idx="2"/>
+          </p:nvPr>
+        </p:nvSpPr>
+        <p:spPr>
+          <a:xfrm>
+            <a:off x="4800600" y="2438400"/>
+            <a:ext cx="3886200" cy="3581400"/>
+          </a:xfrm>
+        </p:spPr>
+        <p:txBody>
+          <a:bodyPr/>
+          <a:lstStyle/>
+          <a:p>
+            <a:endParaRPr lang="en-US" dirty="0"/>
+          </a:p>
+        </p:txBody>
+      </p:sp>
+    </p:spTree>
+    <p:extLst>
+      <p:ext uri="{BB962C8B-B14F-4D97-AF65-F5344CB8AC3E}">
+        <p14:creationId xmlns:p14="http://schemas.microsoft.com/office/powerpoint/2010/main" val="4153940259"/>
+      </p:ext>
+    </p:extLst>
+  </p:cSld>
+  <p:clrMapOvr>
+    <a:masterClrMapping/>
+  </p:clrMapOvr>
+  <p:timing>
+    <p:tnLst>
+      <p:par>
+        <p:cTn xmlns:p14="http://schemas.microsoft.com/office/powerpoint/2010/main" id="1" dur="indefinite" restart="never" nodeType="tmRoot"/>
+      </p:par>
+    </p:tnLst>
+  </p:timing>
+</p:sld>
+</file>
+
+<file path=ppt/slides/slide18.xml><?xml version="1.0" encoding="utf-8"?>
 <p:sld xmlns:a="http://schemas.openxmlformats.org/drawingml/2006/main" xmlns:r="http://schemas.openxmlformats.org/officeDocument/2006/relationships" xmlns:p="http://schemas.openxmlformats.org/presentationml/2006/main">
   <p:cSld>
     <p:spTree>
@@ -5492,10 +5564,25 @@
   <p:clrMapOvr>
     <a:masterClrMapping/>
   </p:clrMapOvr>
+  <mc:AlternateContent xmlns:mc="http://schemas.openxmlformats.org/markup-compatibility/2006">
+    <mc:Choice xmlns:p14="http://schemas.microsoft.com/office/powerpoint/2010/main" Requires="p14">
+      <p:transition p14:dur="0"/>
+    </mc:Choice>
+    <mc:Fallback>
+      <p:transition xmlns:p14="http://schemas.microsoft.com/office/powerpoint/2010/main"/>
+    </mc:Fallback>
+  </mc:AlternateContent>
+  <p:timing>
+    <p:tnLst>
+      <p:par>
+        <p:cTn xmlns:p14="http://schemas.microsoft.com/office/powerpoint/2010/main" id="1" dur="indefinite" restart="never" nodeType="tmRoot"/>
+      </p:par>
+    </p:tnLst>
+  </p:timing>
 </p:sld>
 </file>
 
-<file path=ppt/slides/slide17.xml><?xml version="1.0" encoding="utf-8"?>
+<file path=ppt/slides/slide19.xml><?xml version="1.0" encoding="utf-8"?>
 <p:sld xmlns:a="http://schemas.openxmlformats.org/drawingml/2006/main" xmlns:r="http://schemas.openxmlformats.org/officeDocument/2006/relationships" xmlns:p="http://schemas.openxmlformats.org/presentationml/2006/main">
   <p:cSld>
     <p:spTree>
@@ -5818,6 +5905,21 @@
   <p:clrMapOvr>
     <a:masterClrMapping/>
   </p:clrMapOvr>
+  <mc:AlternateContent xmlns:mc="http://schemas.openxmlformats.org/markup-compatibility/2006">
+    <mc:Choice xmlns:p14="http://schemas.microsoft.com/office/powerpoint/2010/main" Requires="p14">
+      <p:transition p14:dur="0"/>
+    </mc:Choice>
+    <mc:Fallback>
+      <p:transition xmlns:p14="http://schemas.microsoft.com/office/powerpoint/2010/main"/>
+    </mc:Fallback>
+  </mc:AlternateContent>
+  <p:timing>
+    <p:tnLst>
+      <p:par>
+        <p:cTn xmlns:p14="http://schemas.microsoft.com/office/powerpoint/2010/main" id="1" dur="indefinite" restart="never" nodeType="tmRoot"/>
+      </p:par>
+    </p:tnLst>
+  </p:timing>
 </p:sld>
 </file>
 
@@ -5934,6 +6036,13 @@
   <p:clrMapOvr>
     <a:masterClrMapping/>
   </p:clrMapOvr>
+  <p:timing>
+    <p:tnLst>
+      <p:par>
+        <p:cTn xmlns:p14="http://schemas.microsoft.com/office/powerpoint/2010/main" id="1" dur="indefinite" restart="never" nodeType="tmRoot"/>
+      </p:par>
+    </p:tnLst>
+  </p:timing>
 </p:sld>
 </file>
 
@@ -6605,68 +6714,68 @@
           <a:p>
             <a:pPr lvl="1"/>
             <a:r>
-              <a:rPr lang="en-US" sz="2400" dirty="0"/>
+              <a:rPr lang="en-US" sz="2200" dirty="0"/>
               <a:t>Hidden layers: </a:t>
             </a:r>
             <a:r>
-              <a:rPr lang="en-US" sz="2400" dirty="0" smtClean="0"/>
+              <a:rPr lang="en-US" sz="2200" dirty="0" smtClean="0"/>
               <a:t>2</a:t>
             </a:r>
           </a:p>
           <a:p>
             <a:pPr lvl="1"/>
             <a:r>
-              <a:rPr lang="en-US" sz="2400" dirty="0" smtClean="0"/>
+              <a:rPr lang="en-US" sz="2200" dirty="0" smtClean="0"/>
               <a:t>Fully-connected layer: 1</a:t>
             </a:r>
-            <a:endParaRPr lang="en-US" sz="2400" dirty="0"/>
+            <a:endParaRPr lang="en-US" sz="2200" dirty="0"/>
           </a:p>
           <a:p>
             <a:pPr lvl="1"/>
             <a:r>
-              <a:rPr lang="en-US" sz="2400" dirty="0" smtClean="0"/>
+              <a:rPr lang="en-US" sz="2200" dirty="0" smtClean="0"/>
               <a:t>Filter per layer: 12</a:t>
             </a:r>
-            <a:endParaRPr lang="en-US" sz="2400" dirty="0"/>
+            <a:endParaRPr lang="en-US" sz="2200" dirty="0"/>
           </a:p>
           <a:p>
             <a:pPr lvl="1"/>
             <a:r>
-              <a:rPr lang="en-US" sz="2400" dirty="0"/>
+              <a:rPr lang="en-US" sz="2200" dirty="0"/>
               <a:t>Activation Function: </a:t>
             </a:r>
             <a:r>
-              <a:rPr lang="en-US" sz="2400" dirty="0" err="1"/>
+              <a:rPr lang="en-US" sz="2200" dirty="0" err="1"/>
               <a:t>tanh</a:t>
             </a:r>
-            <a:endParaRPr lang="en-US" sz="2400" dirty="0"/>
+            <a:endParaRPr lang="en-US" sz="2200" dirty="0"/>
           </a:p>
           <a:p>
             <a:pPr lvl="1"/>
             <a:r>
-              <a:rPr lang="en-US" sz="2400" dirty="0"/>
+              <a:rPr lang="en-US" sz="2200" dirty="0"/>
               <a:t>Batch size: </a:t>
             </a:r>
             <a:r>
-              <a:rPr lang="en-US" sz="2400" dirty="0" smtClean="0"/>
+              <a:rPr lang="en-US" sz="2200" dirty="0" smtClean="0"/>
               <a:t>200</a:t>
             </a:r>
-            <a:endParaRPr lang="en-US" sz="2400" dirty="0"/>
+            <a:endParaRPr lang="en-US" sz="2200" dirty="0"/>
           </a:p>
           <a:p>
             <a:pPr lvl="1"/>
             <a:r>
-              <a:rPr lang="en-US" sz="2400" dirty="0"/>
+              <a:rPr lang="en-US" sz="2200" dirty="0"/>
               <a:t>Learning rate: 0.01</a:t>
             </a:r>
           </a:p>
           <a:p>
             <a:pPr lvl="1"/>
             <a:r>
-              <a:rPr lang="en-US" sz="2400" dirty="0" smtClean="0"/>
+              <a:rPr lang="en-US" sz="2200" dirty="0" smtClean="0"/>
               <a:t>Momentum: 0</a:t>
             </a:r>
-            <a:endParaRPr lang="en-US" sz="2400" dirty="0"/>
+            <a:endParaRPr lang="en-US" sz="2200" dirty="0"/>
           </a:p>
         </p:txBody>
       </p:sp>
